--- a/images/Presentation1.pptx
+++ b/images/Presentation1.pptx
@@ -104,6 +104,11 @@
       </a:defRPr>
     </a:lvl9pPr>
   </p:defaultTextStyle>
+  <p:extLst>
+    <p:ext uri="{EFAFB233-063F-42B5-8137-9DF3F51BA10A}">
+      <p15:sldGuideLst xmlns:p15="http://schemas.microsoft.com/office/powerpoint/2012/main"/>
+    </p:ext>
+  </p:extLst>
 </p:presentation>
 </file>
 
@@ -238,7 +243,7 @@
           <a:p>
             <a:fld id="{8D7B02B7-BACE-4E02-BBBD-407FF9A4B09F}" type="datetimeFigureOut">
               <a:rPr lang="en-GB" smtClean="0"/>
-              <a:t>16/06/2014</a:t>
+              <a:t>18/06/2014</a:t>
             </a:fld>
             <a:endParaRPr lang="en-GB"/>
           </a:p>
@@ -408,7 +413,7 @@
           <a:p>
             <a:fld id="{8D7B02B7-BACE-4E02-BBBD-407FF9A4B09F}" type="datetimeFigureOut">
               <a:rPr lang="en-GB" smtClean="0"/>
-              <a:t>16/06/2014</a:t>
+              <a:t>18/06/2014</a:t>
             </a:fld>
             <a:endParaRPr lang="en-GB"/>
           </a:p>
@@ -588,7 +593,7 @@
           <a:p>
             <a:fld id="{8D7B02B7-BACE-4E02-BBBD-407FF9A4B09F}" type="datetimeFigureOut">
               <a:rPr lang="en-GB" smtClean="0"/>
-              <a:t>16/06/2014</a:t>
+              <a:t>18/06/2014</a:t>
             </a:fld>
             <a:endParaRPr lang="en-GB"/>
           </a:p>
@@ -758,7 +763,7 @@
           <a:p>
             <a:fld id="{8D7B02B7-BACE-4E02-BBBD-407FF9A4B09F}" type="datetimeFigureOut">
               <a:rPr lang="en-GB" smtClean="0"/>
-              <a:t>16/06/2014</a:t>
+              <a:t>18/06/2014</a:t>
             </a:fld>
             <a:endParaRPr lang="en-GB"/>
           </a:p>
@@ -1004,7 +1009,7 @@
           <a:p>
             <a:fld id="{8D7B02B7-BACE-4E02-BBBD-407FF9A4B09F}" type="datetimeFigureOut">
               <a:rPr lang="en-GB" smtClean="0"/>
-              <a:t>16/06/2014</a:t>
+              <a:t>18/06/2014</a:t>
             </a:fld>
             <a:endParaRPr lang="en-GB"/>
           </a:p>
@@ -1236,7 +1241,7 @@
           <a:p>
             <a:fld id="{8D7B02B7-BACE-4E02-BBBD-407FF9A4B09F}" type="datetimeFigureOut">
               <a:rPr lang="en-GB" smtClean="0"/>
-              <a:t>16/06/2014</a:t>
+              <a:t>18/06/2014</a:t>
             </a:fld>
             <a:endParaRPr lang="en-GB"/>
           </a:p>
@@ -1603,7 +1608,7 @@
           <a:p>
             <a:fld id="{8D7B02B7-BACE-4E02-BBBD-407FF9A4B09F}" type="datetimeFigureOut">
               <a:rPr lang="en-GB" smtClean="0"/>
-              <a:t>16/06/2014</a:t>
+              <a:t>18/06/2014</a:t>
             </a:fld>
             <a:endParaRPr lang="en-GB"/>
           </a:p>
@@ -1721,7 +1726,7 @@
           <a:p>
             <a:fld id="{8D7B02B7-BACE-4E02-BBBD-407FF9A4B09F}" type="datetimeFigureOut">
               <a:rPr lang="en-GB" smtClean="0"/>
-              <a:t>16/06/2014</a:t>
+              <a:t>18/06/2014</a:t>
             </a:fld>
             <a:endParaRPr lang="en-GB"/>
           </a:p>
@@ -1816,7 +1821,7 @@
           <a:p>
             <a:fld id="{8D7B02B7-BACE-4E02-BBBD-407FF9A4B09F}" type="datetimeFigureOut">
               <a:rPr lang="en-GB" smtClean="0"/>
-              <a:t>16/06/2014</a:t>
+              <a:t>18/06/2014</a:t>
             </a:fld>
             <a:endParaRPr lang="en-GB"/>
           </a:p>
@@ -2093,7 +2098,7 @@
           <a:p>
             <a:fld id="{8D7B02B7-BACE-4E02-BBBD-407FF9A4B09F}" type="datetimeFigureOut">
               <a:rPr lang="en-GB" smtClean="0"/>
-              <a:t>16/06/2014</a:t>
+              <a:t>18/06/2014</a:t>
             </a:fld>
             <a:endParaRPr lang="en-GB"/>
           </a:p>
@@ -2346,7 +2351,7 @@
           <a:p>
             <a:fld id="{8D7B02B7-BACE-4E02-BBBD-407FF9A4B09F}" type="datetimeFigureOut">
               <a:rPr lang="en-GB" smtClean="0"/>
-              <a:t>16/06/2014</a:t>
+              <a:t>18/06/2014</a:t>
             </a:fld>
             <a:endParaRPr lang="en-GB"/>
           </a:p>
@@ -2559,7 +2564,7 @@
           <a:p>
             <a:fld id="{8D7B02B7-BACE-4E02-BBBD-407FF9A4B09F}" type="datetimeFigureOut">
               <a:rPr lang="en-GB" smtClean="0"/>
-              <a:t>16/06/2014</a:t>
+              <a:t>18/06/2014</a:t>
             </a:fld>
             <a:endParaRPr lang="en-GB"/>
           </a:p>
@@ -3097,11 +3102,11 @@
           <a:p>
             <a:pPr algn="ctr"/>
             <a:r>
-              <a:rPr lang="en-GB" dirty="0" smtClean="0">
+              <a:rPr lang="en-GB" dirty="0">
                 <a:latin typeface="Segoe UI Light" panose="020B0502040204020203" pitchFamily="34" charset="0"/>
                 <a:cs typeface="Segoe UI Light" panose="020B0502040204020203" pitchFamily="34" charset="0"/>
               </a:rPr>
-              <a:t>Grain1</a:t>
+              <a:t>Value Grain</a:t>
             </a:r>
             <a:endParaRPr lang="en-GB" dirty="0">
               <a:latin typeface="Segoe UI Light" panose="020B0502040204020203" pitchFamily="34" charset="0"/>
@@ -3145,11 +3150,11 @@
           <a:p>
             <a:pPr algn="ctr"/>
             <a:r>
-              <a:rPr lang="en-GB" dirty="0" smtClean="0">
+              <a:rPr lang="en-GB" dirty="0">
                 <a:latin typeface="Segoe UI Light" panose="020B0502040204020203" pitchFamily="34" charset="0"/>
                 <a:cs typeface="Segoe UI Light" panose="020B0502040204020203" pitchFamily="34" charset="0"/>
               </a:rPr>
-              <a:t>Grain2</a:t>
+              <a:t>Value Grain</a:t>
             </a:r>
             <a:endParaRPr lang="en-GB" dirty="0">
               <a:latin typeface="Segoe UI Light" panose="020B0502040204020203" pitchFamily="34" charset="0"/>
@@ -3197,7 +3202,7 @@
                 <a:latin typeface="Segoe UI Light" panose="020B0502040204020203" pitchFamily="34" charset="0"/>
                 <a:cs typeface="Segoe UI Light" panose="020B0502040204020203" pitchFamily="34" charset="0"/>
               </a:rPr>
-              <a:t>Stateless Worker Grain</a:t>
+              <a:t>Subtotal Grain</a:t>
             </a:r>
             <a:endParaRPr lang="en-GB" dirty="0">
               <a:latin typeface="Segoe UI Light" panose="020B0502040204020203" pitchFamily="34" charset="0"/>
@@ -3408,7 +3413,7 @@
                 <a:latin typeface="Segoe UI Light" panose="020B0502040204020203" pitchFamily="34" charset="0"/>
                 <a:cs typeface="Segoe UI Light" panose="020B0502040204020203" pitchFamily="34" charset="0"/>
               </a:rPr>
-              <a:t>Grain1</a:t>
+              <a:t>Value Grain</a:t>
             </a:r>
             <a:endParaRPr lang="en-GB" dirty="0">
               <a:latin typeface="Segoe UI Light" panose="020B0502040204020203" pitchFamily="34" charset="0"/>
@@ -3452,11 +3457,11 @@
           <a:p>
             <a:pPr algn="ctr"/>
             <a:r>
-              <a:rPr lang="en-GB" dirty="0" smtClean="0">
+              <a:rPr lang="en-GB" dirty="0">
                 <a:latin typeface="Segoe UI Light" panose="020B0502040204020203" pitchFamily="34" charset="0"/>
                 <a:cs typeface="Segoe UI Light" panose="020B0502040204020203" pitchFamily="34" charset="0"/>
               </a:rPr>
-              <a:t>Grain2</a:t>
+              <a:t>Value Grain</a:t>
             </a:r>
             <a:endParaRPr lang="en-GB" dirty="0">
               <a:latin typeface="Segoe UI Light" panose="020B0502040204020203" pitchFamily="34" charset="0"/>
@@ -3504,7 +3509,14 @@
                 <a:latin typeface="Segoe UI Light" panose="020B0502040204020203" pitchFamily="34" charset="0"/>
                 <a:cs typeface="Segoe UI Light" panose="020B0502040204020203" pitchFamily="34" charset="0"/>
               </a:rPr>
-              <a:t>Stateless Worker Grain</a:t>
+              <a:t>Subtotal </a:t>
+            </a:r>
+            <a:r>
+              <a:rPr lang="en-GB" dirty="0" smtClean="0">
+                <a:latin typeface="Segoe UI Light" panose="020B0502040204020203" pitchFamily="34" charset="0"/>
+                <a:cs typeface="Segoe UI Light" panose="020B0502040204020203" pitchFamily="34" charset="0"/>
+              </a:rPr>
+              <a:t>Grain</a:t>
             </a:r>
             <a:endParaRPr lang="en-GB" dirty="0">
               <a:latin typeface="Segoe UI Light" panose="020B0502040204020203" pitchFamily="34" charset="0"/>
